--- a/Web Server Deployment.pptx
+++ b/Web Server Deployment.pptx
@@ -11,7 +11,8 @@
     <p:sldId id="259" r:id="rId5"/>
     <p:sldId id="260" r:id="rId6"/>
     <p:sldId id="261" r:id="rId7"/>
-    <p:sldId id="262" r:id="rId8"/>
+    <p:sldId id="263" r:id="rId8"/>
+    <p:sldId id="264" r:id="rId9"/>
   </p:sldIdLst>
   <p:sldSz cx="12192000" cy="6858000"/>
   <p:notesSz cx="6858000" cy="9144000"/>
@@ -3812,13 +3813,8 @@
           <a:p>
             <a:r>
               <a:rPr lang="en-US" dirty="0"/>
-              <a:t>using CI/CD </a:t>
-            </a:r>
-            <a:r>
-              <a:rPr lang="en-US" dirty="0" err="1"/>
-              <a:t>pipline</a:t>
-            </a:r>
-            <a:endParaRPr lang="en-US" dirty="0"/>
+              <a:t>using CI/CD pipeline</a:t>
+            </a:r>
           </a:p>
         </p:txBody>
       </p:sp>
@@ -4600,7 +4596,7 @@
           <p:cNvPr id="2" name="Title 1">
             <a:extLst>
               <a:ext uri="{FF2B5EF4-FFF2-40B4-BE49-F238E27FC236}">
-                <a16:creationId xmlns:a16="http://schemas.microsoft.com/office/drawing/2014/main" id="{877CCA9D-5BE3-C372-EAF2-22832E586FB9}"/>
+                <a16:creationId xmlns:a16="http://schemas.microsoft.com/office/drawing/2014/main" id="{822437B5-07B8-DBEC-F8E4-281834EBE90E}"/>
               </a:ext>
             </a:extLst>
           </p:cNvPr>
@@ -4618,45 +4614,17 @@
           <a:p>
             <a:r>
               <a:rPr lang="en-US" dirty="0"/>
-              <a:t>In case of :</a:t>
-            </a:r>
-          </a:p>
-        </p:txBody>
-      </p:sp>
-      <p:sp>
-        <p:nvSpPr>
-          <p:cNvPr id="3" name="Text Placeholder 2">
+              <a:t>In case of success :</a:t>
+            </a:r>
+          </a:p>
+        </p:txBody>
+      </p:sp>
+      <p:pic>
+        <p:nvPicPr>
+          <p:cNvPr id="6" name="Content Placeholder 5">
             <a:extLst>
               <a:ext uri="{FF2B5EF4-FFF2-40B4-BE49-F238E27FC236}">
-                <a16:creationId xmlns:a16="http://schemas.microsoft.com/office/drawing/2014/main" id="{B6214A0C-512F-E05F-1027-9DC93436554A}"/>
-              </a:ext>
-            </a:extLst>
-          </p:cNvPr>
-          <p:cNvSpPr>
-            <a:spLocks noGrp="1"/>
-          </p:cNvSpPr>
-          <p:nvPr>
-            <p:ph type="body" idx="1"/>
-          </p:nvPr>
-        </p:nvSpPr>
-        <p:spPr/>
-        <p:txBody>
-          <a:bodyPr/>
-          <a:lstStyle/>
-          <a:p>
-            <a:r>
-              <a:rPr lang="en-US" dirty="0"/>
-              <a:t>Success </a:t>
-            </a:r>
-          </a:p>
-        </p:txBody>
-      </p:sp>
-      <p:pic>
-        <p:nvPicPr>
-          <p:cNvPr id="8" name="Content Placeholder 7">
-            <a:extLst>
-              <a:ext uri="{FF2B5EF4-FFF2-40B4-BE49-F238E27FC236}">
-                <a16:creationId xmlns:a16="http://schemas.microsoft.com/office/drawing/2014/main" id="{4288EC34-0C09-7E3B-6040-7E7B63771E12}"/>
+                <a16:creationId xmlns:a16="http://schemas.microsoft.com/office/drawing/2014/main" id="{E675844B-6FF8-338C-5329-D3DDD49B7524}"/>
               </a:ext>
             </a:extLst>
           </p:cNvPr>
@@ -4664,7 +4632,7 @@
             <a:picLocks noGrp="1" noChangeAspect="1"/>
           </p:cNvPicPr>
           <p:nvPr>
-            <p:ph sz="half" idx="2"/>
+            <p:ph sz="half" idx="1"/>
           </p:nvPr>
         </p:nvPicPr>
         <p:blipFill>
@@ -4675,45 +4643,17 @@
         </p:blipFill>
         <p:spPr>
           <a:xfrm>
-            <a:off x="901462" y="2845837"/>
-            <a:ext cx="5134213" cy="2574706"/>
+            <a:off x="468292" y="2416629"/>
+            <a:ext cx="5596760" cy="2603240"/>
           </a:xfrm>
         </p:spPr>
       </p:pic>
-      <p:sp>
-        <p:nvSpPr>
-          <p:cNvPr id="5" name="Text Placeholder 4">
+      <p:pic>
+        <p:nvPicPr>
+          <p:cNvPr id="8" name="Content Placeholder 7">
             <a:extLst>
               <a:ext uri="{FF2B5EF4-FFF2-40B4-BE49-F238E27FC236}">
-                <a16:creationId xmlns:a16="http://schemas.microsoft.com/office/drawing/2014/main" id="{63C7DC65-5FC0-3DC2-FB9E-AA29C394FC2F}"/>
-              </a:ext>
-            </a:extLst>
-          </p:cNvPr>
-          <p:cNvSpPr>
-            <a:spLocks noGrp="1"/>
-          </p:cNvSpPr>
-          <p:nvPr>
-            <p:ph type="body" sz="quarter" idx="3"/>
-          </p:nvPr>
-        </p:nvSpPr>
-        <p:spPr/>
-        <p:txBody>
-          <a:bodyPr/>
-          <a:lstStyle/>
-          <a:p>
-            <a:r>
-              <a:rPr lang="en-US" dirty="0"/>
-              <a:t>fail</a:t>
-            </a:r>
-          </a:p>
-        </p:txBody>
-      </p:sp>
-      <p:pic>
-        <p:nvPicPr>
-          <p:cNvPr id="10" name="Content Placeholder 9">
-            <a:extLst>
-              <a:ext uri="{FF2B5EF4-FFF2-40B4-BE49-F238E27FC236}">
-                <a16:creationId xmlns:a16="http://schemas.microsoft.com/office/drawing/2014/main" id="{0B9094CC-DC2D-ED30-7BF8-847F1FBD2522}"/>
+                <a16:creationId xmlns:a16="http://schemas.microsoft.com/office/drawing/2014/main" id="{3B52209F-C05C-C51A-9E28-018C11C1EA33}"/>
               </a:ext>
             </a:extLst>
           </p:cNvPr>
@@ -4721,26 +4661,168 @@
             <a:picLocks noGrp="1" noChangeAspect="1"/>
           </p:cNvPicPr>
           <p:nvPr>
-            <p:ph sz="quarter" idx="4"/>
+            <p:ph sz="half" idx="2"/>
           </p:nvPr>
         </p:nvPicPr>
-        <p:blipFill>
+        <p:blipFill rotWithShape="1">
           <a:blip r:embed="rId3"/>
-          <a:stretch>
-            <a:fillRect/>
-          </a:stretch>
+          <a:srcRect r="8181"/>
+          <a:stretch/>
         </p:blipFill>
         <p:spPr>
           <a:xfrm>
-            <a:off x="6218238" y="3371553"/>
-            <a:ext cx="4937125" cy="1800820"/>
+            <a:off x="6218237" y="2416629"/>
+            <a:ext cx="5596761" cy="2603240"/>
           </a:xfrm>
         </p:spPr>
       </p:pic>
     </p:spTree>
     <p:extLst>
       <p:ext uri="{BB962C8B-B14F-4D97-AF65-F5344CB8AC3E}">
-        <p14:creationId xmlns:p14="http://schemas.microsoft.com/office/powerpoint/2010/main" val="2129495074"/>
+        <p14:creationId xmlns:p14="http://schemas.microsoft.com/office/powerpoint/2010/main" val="3521134086"/>
+      </p:ext>
+    </p:extLst>
+  </p:cSld>
+  <p:clrMapOvr>
+    <a:masterClrMapping/>
+  </p:clrMapOvr>
+</p:sld>
+</file>
+
+<file path=ppt/slides/slide8.xml><?xml version="1.0" encoding="utf-8"?>
+<p:sld xmlns:a="http://schemas.openxmlformats.org/drawingml/2006/main" xmlns:r="http://schemas.openxmlformats.org/officeDocument/2006/relationships" xmlns:p="http://schemas.openxmlformats.org/presentationml/2006/main">
+  <p:cSld>
+    <p:spTree>
+      <p:nvGrpSpPr>
+        <p:cNvPr id="1" name=""/>
+        <p:cNvGrpSpPr/>
+        <p:nvPr/>
+      </p:nvGrpSpPr>
+      <p:grpSpPr>
+        <a:xfrm>
+          <a:off x="0" y="0"/>
+          <a:ext cx="0" cy="0"/>
+          <a:chOff x="0" y="0"/>
+          <a:chExt cx="0" cy="0"/>
+        </a:xfrm>
+      </p:grpSpPr>
+      <p:sp>
+        <p:nvSpPr>
+          <p:cNvPr id="2" name="Title 1">
+            <a:extLst>
+              <a:ext uri="{FF2B5EF4-FFF2-40B4-BE49-F238E27FC236}">
+                <a16:creationId xmlns:a16="http://schemas.microsoft.com/office/drawing/2014/main" id="{F7F92468-86B3-6253-6219-897ECC82BADB}"/>
+              </a:ext>
+            </a:extLst>
+          </p:cNvPr>
+          <p:cNvSpPr>
+            <a:spLocks noGrp="1"/>
+          </p:cNvSpPr>
+          <p:nvPr>
+            <p:ph type="title"/>
+          </p:nvPr>
+        </p:nvSpPr>
+        <p:spPr/>
+        <p:txBody>
+          <a:bodyPr/>
+          <a:lstStyle/>
+          <a:p>
+            <a:r>
+              <a:rPr lang="en-US" dirty="0"/>
+              <a:t>In case of failure :</a:t>
+            </a:r>
+          </a:p>
+        </p:txBody>
+      </p:sp>
+      <p:pic>
+        <p:nvPicPr>
+          <p:cNvPr id="6" name="Content Placeholder 5">
+            <a:extLst>
+              <a:ext uri="{FF2B5EF4-FFF2-40B4-BE49-F238E27FC236}">
+                <a16:creationId xmlns:a16="http://schemas.microsoft.com/office/drawing/2014/main" id="{785DD199-B8D2-0D3E-44AA-72975407CDB7}"/>
+              </a:ext>
+            </a:extLst>
+          </p:cNvPr>
+          <p:cNvPicPr>
+            <a:picLocks noGrp="1" noChangeAspect="1"/>
+          </p:cNvPicPr>
+          <p:nvPr>
+            <p:ph sz="half" idx="1"/>
+          </p:nvPr>
+        </p:nvPicPr>
+        <p:blipFill rotWithShape="1">
+          <a:blip r:embed="rId2"/>
+          <a:srcRect l="7013"/>
+          <a:stretch/>
+        </p:blipFill>
+        <p:spPr>
+          <a:xfrm>
+            <a:off x="552564" y="2855168"/>
+            <a:ext cx="5483112" cy="1609998"/>
+          </a:xfrm>
+        </p:spPr>
+      </p:pic>
+      <p:pic>
+        <p:nvPicPr>
+          <p:cNvPr id="12" name="Content Placeholder 11">
+            <a:extLst>
+              <a:ext uri="{FF2B5EF4-FFF2-40B4-BE49-F238E27FC236}">
+                <a16:creationId xmlns:a16="http://schemas.microsoft.com/office/drawing/2014/main" id="{5B113845-F29D-4B87-1903-356D55CFA083}"/>
+              </a:ext>
+            </a:extLst>
+          </p:cNvPr>
+          <p:cNvPicPr>
+            <a:picLocks noGrp="1" noChangeAspect="1"/>
+          </p:cNvPicPr>
+          <p:nvPr>
+            <p:ph sz="half" idx="2"/>
+          </p:nvPr>
+        </p:nvPicPr>
+        <p:blipFill rotWithShape="1">
+          <a:blip r:embed="rId3"/>
+          <a:srcRect r="42411"/>
+          <a:stretch/>
+        </p:blipFill>
+        <p:spPr>
+          <a:xfrm>
+            <a:off x="6731949" y="2134925"/>
+            <a:ext cx="4288030" cy="2715911"/>
+          </a:xfrm>
+        </p:spPr>
+      </p:pic>
+      <p:pic>
+        <p:nvPicPr>
+          <p:cNvPr id="14" name="Picture 13">
+            <a:extLst>
+              <a:ext uri="{FF2B5EF4-FFF2-40B4-BE49-F238E27FC236}">
+                <a16:creationId xmlns:a16="http://schemas.microsoft.com/office/drawing/2014/main" id="{0BBB04DF-C4B0-8DAB-5D43-9860AF4708C3}"/>
+              </a:ext>
+            </a:extLst>
+          </p:cNvPr>
+          <p:cNvPicPr>
+            <a:picLocks noChangeAspect="1"/>
+          </p:cNvPicPr>
+          <p:nvPr/>
+        </p:nvPicPr>
+        <p:blipFill rotWithShape="1">
+          <a:blip r:embed="rId4"/>
+          <a:srcRect l="17202" b="8168"/>
+          <a:stretch/>
+        </p:blipFill>
+        <p:spPr>
+          <a:xfrm>
+            <a:off x="1278294" y="4627913"/>
+            <a:ext cx="4181759" cy="475933"/>
+          </a:xfrm>
+          <a:prstGeom prst="rect">
+            <a:avLst/>
+          </a:prstGeom>
+        </p:spPr>
+      </p:pic>
+    </p:spTree>
+    <p:extLst>
+      <p:ext uri="{BB962C8B-B14F-4D97-AF65-F5344CB8AC3E}">
+        <p14:creationId xmlns:p14="http://schemas.microsoft.com/office/powerpoint/2010/main" val="2483451344"/>
       </p:ext>
     </p:extLst>
   </p:cSld>

--- a/Web Server Deployment.pptx
+++ b/Web Server Deployment.pptx
@@ -3904,35 +3904,6 @@
           </a:p>
         </p:txBody>
       </p:sp>
-      <p:pic>
-        <p:nvPicPr>
-          <p:cNvPr id="8" name="Content Placeholder 7">
-            <a:extLst>
-              <a:ext uri="{FF2B5EF4-FFF2-40B4-BE49-F238E27FC236}">
-                <a16:creationId xmlns:a16="http://schemas.microsoft.com/office/drawing/2014/main" id="{4D148349-BEB7-356F-7521-588772FE3F55}"/>
-              </a:ext>
-            </a:extLst>
-          </p:cNvPr>
-          <p:cNvPicPr>
-            <a:picLocks noGrp="1" noChangeAspect="1"/>
-          </p:cNvPicPr>
-          <p:nvPr>
-            <p:ph sz="half" idx="2"/>
-          </p:nvPr>
-        </p:nvPicPr>
-        <p:blipFill>
-          <a:blip r:embed="rId2"/>
-          <a:stretch>
-            <a:fillRect/>
-          </a:stretch>
-        </p:blipFill>
-        <p:spPr>
-          <a:xfrm>
-            <a:off x="1194319" y="2671128"/>
-            <a:ext cx="4496372" cy="3034547"/>
-          </a:xfrm>
-        </p:spPr>
-      </p:pic>
       <p:sp>
         <p:nvSpPr>
           <p:cNvPr id="5" name="Text Placeholder 4">
@@ -3956,7 +3927,7 @@
           <a:p>
             <a:r>
               <a:rPr lang="en-US" dirty="0"/>
-              <a:t>Fitch group members script</a:t>
+              <a:t>Fetch group members script</a:t>
             </a:r>
           </a:p>
         </p:txBody>
@@ -3978,6 +3949,35 @@
           </p:nvPr>
         </p:nvPicPr>
         <p:blipFill>
+          <a:blip r:embed="rId2"/>
+          <a:stretch>
+            <a:fillRect/>
+          </a:stretch>
+        </p:blipFill>
+        <p:spPr>
+          <a:xfrm>
+            <a:off x="6218238" y="3063772"/>
+            <a:ext cx="4937125" cy="2416381"/>
+          </a:xfrm>
+        </p:spPr>
+      </p:pic>
+      <p:pic>
+        <p:nvPicPr>
+          <p:cNvPr id="12" name="Content Placeholder 11">
+            <a:extLst>
+              <a:ext uri="{FF2B5EF4-FFF2-40B4-BE49-F238E27FC236}">
+                <a16:creationId xmlns:a16="http://schemas.microsoft.com/office/drawing/2014/main" id="{F2186005-E6AE-4BF9-1086-7B03713D2ECD}"/>
+              </a:ext>
+            </a:extLst>
+          </p:cNvPr>
+          <p:cNvPicPr>
+            <a:picLocks noGrp="1" noChangeAspect="1"/>
+          </p:cNvPicPr>
+          <p:nvPr>
+            <p:ph sz="half" idx="2"/>
+          </p:nvPr>
+        </p:nvPicPr>
+        <p:blipFill>
           <a:blip r:embed="rId3"/>
           <a:stretch>
             <a:fillRect/>
@@ -3985,8 +3985,8 @@
         </p:blipFill>
         <p:spPr>
           <a:xfrm>
-            <a:off x="6218238" y="3063772"/>
-            <a:ext cx="4937125" cy="2416381"/>
+            <a:off x="1155545" y="2817845"/>
+            <a:ext cx="4511330" cy="2721120"/>
           </a:xfrm>
         </p:spPr>
       </p:pic>
@@ -4053,12 +4053,47 @@
           </a:p>
         </p:txBody>
       </p:sp>
+      <p:sp>
+        <p:nvSpPr>
+          <p:cNvPr id="4" name="Text Placeholder 3">
+            <a:extLst>
+              <a:ext uri="{FF2B5EF4-FFF2-40B4-BE49-F238E27FC236}">
+                <a16:creationId xmlns:a16="http://schemas.microsoft.com/office/drawing/2014/main" id="{942FF67A-ACB8-633D-8782-2F5C6DE4E5BF}"/>
+              </a:ext>
+            </a:extLst>
+          </p:cNvPr>
+          <p:cNvSpPr>
+            <a:spLocks noGrp="1"/>
+          </p:cNvSpPr>
+          <p:nvPr>
+            <p:ph type="body" sz="half" idx="2"/>
+          </p:nvPr>
+        </p:nvSpPr>
+        <p:spPr>
+          <a:xfrm>
+            <a:off x="457200" y="3429000"/>
+            <a:ext cx="3200400" cy="2876204"/>
+          </a:xfrm>
+        </p:spPr>
+        <p:txBody>
+          <a:bodyPr>
+            <a:normAutofit/>
+          </a:bodyPr>
+          <a:lstStyle/>
+          <a:p>
+            <a:r>
+              <a:rPr lang="en-US" sz="1600" dirty="0"/>
+              <a:t>The playbook consists of several tasks, each performing a specific action, starting with the installation and configuration then creating a simple html page shows “hello from ansible!”.</a:t>
+            </a:r>
+          </a:p>
+        </p:txBody>
+      </p:sp>
       <p:pic>
         <p:nvPicPr>
-          <p:cNvPr id="8" name="Content Placeholder 7">
+          <p:cNvPr id="7" name="Content Placeholder 6">
             <a:extLst>
               <a:ext uri="{FF2B5EF4-FFF2-40B4-BE49-F238E27FC236}">
-                <a16:creationId xmlns:a16="http://schemas.microsoft.com/office/drawing/2014/main" id="{8D5606F0-D032-24DC-286F-277F4B5EC0A8}"/>
+                <a16:creationId xmlns:a16="http://schemas.microsoft.com/office/drawing/2014/main" id="{B1CEF568-C049-BEB9-5FFF-47B37B5557CF}"/>
               </a:ext>
             </a:extLst>
           </p:cNvPr>
@@ -4077,46 +4112,11 @@
         </p:blipFill>
         <p:spPr>
           <a:xfrm>
-            <a:off x="4889938" y="731838"/>
-            <a:ext cx="6314198" cy="5257800"/>
+            <a:off x="4833256" y="443764"/>
+            <a:ext cx="6597367" cy="5861440"/>
           </a:xfrm>
         </p:spPr>
       </p:pic>
-      <p:sp>
-        <p:nvSpPr>
-          <p:cNvPr id="4" name="Text Placeholder 3">
-            <a:extLst>
-              <a:ext uri="{FF2B5EF4-FFF2-40B4-BE49-F238E27FC236}">
-                <a16:creationId xmlns:a16="http://schemas.microsoft.com/office/drawing/2014/main" id="{942FF67A-ACB8-633D-8782-2F5C6DE4E5BF}"/>
-              </a:ext>
-            </a:extLst>
-          </p:cNvPr>
-          <p:cNvSpPr>
-            <a:spLocks noGrp="1"/>
-          </p:cNvSpPr>
-          <p:nvPr>
-            <p:ph type="body" sz="half" idx="2"/>
-          </p:nvPr>
-        </p:nvSpPr>
-        <p:spPr>
-          <a:xfrm>
-            <a:off x="457200" y="3429000"/>
-            <a:ext cx="3200400" cy="2876204"/>
-          </a:xfrm>
-        </p:spPr>
-        <p:txBody>
-          <a:bodyPr>
-            <a:normAutofit/>
-          </a:bodyPr>
-          <a:lstStyle/>
-          <a:p>
-            <a:r>
-              <a:rPr lang="en-US" sz="1600" dirty="0"/>
-              <a:t>The playbook consists of several tasks, each performing a specific action, starting with the installation and configuration then creating a simple html file shows “hello from ansible!” when the server open.</a:t>
-            </a:r>
-          </a:p>
-        </p:txBody>
-      </p:sp>
     </p:spTree>
     <p:extLst>
       <p:ext uri="{BB962C8B-B14F-4D97-AF65-F5344CB8AC3E}">
@@ -4231,15 +4231,7 @@
           <a:p>
             <a:r>
               <a:rPr lang="en-US" dirty="0"/>
-              <a:t>After installing the </a:t>
-            </a:r>
-            <a:r>
-              <a:rPr lang="en-US" dirty="0" err="1"/>
-              <a:t>gitlab</a:t>
-            </a:r>
-            <a:r>
-              <a:rPr lang="en-US" dirty="0"/>
-              <a:t> and configure it</a:t>
+              <a:t>After installing the GitLab and configure it</a:t>
             </a:r>
             <a:r>
               <a:rPr lang="ar-EG" dirty="0"/>
@@ -4261,15 +4253,7 @@
           <a:p>
             <a:r>
               <a:rPr lang="en-US" dirty="0"/>
-              <a:t>Then configured the integration of Jenkins with </a:t>
-            </a:r>
-            <a:r>
-              <a:rPr lang="en-US" dirty="0" err="1"/>
-              <a:t>gitlab</a:t>
-            </a:r>
-            <a:r>
-              <a:rPr lang="en-US" dirty="0"/>
-              <a:t>.</a:t>
+              <a:t>Then configured the integration of Jenkins with GitLab.</a:t>
             </a:r>
           </a:p>
         </p:txBody>
